--- a/Nhóm 6.pptx
+++ b/Nhóm 6.pptx
@@ -131,7 +131,7 @@
   <p1510:revLst>
     <p1510:client id="{12FA23D9-6A22-43DE-B069-1173F297DFC7}" v="772" dt="2022-12-19T14:27:38.736"/>
     <p1510:client id="{37E879CC-5908-E1A8-1B1C-DB3A666AB074}" v="99" dt="2022-12-19T15:22:30.612"/>
-    <p1510:client id="{41E48343-6F24-BCEE-5A4F-F434881FC9AE}" v="2160" dt="2022-12-20T05:08:35.022"/>
+    <p1510:client id="{41E48343-6F24-BCEE-5A4F-F434881FC9AE}" v="2283" dt="2022-12-20T05:57:30.227"/>
     <p1510:client id="{4A801E8D-2524-D359-317A-5CC2CD211BAB}" v="14" dt="2022-12-19T14:56:16.209"/>
     <p1510:client id="{59B20FF4-9A24-FCBA-9B93-B75AFC5A866D}" v="406" dt="2022-12-19T17:18:26.326"/>
     <p1510:client id="{88FB4FFC-CFC9-72EF-6086-E96BC50437B3}" v="598" dt="2022-12-19T14:49:00.637"/>
@@ -1327,6 +1327,7 @@
         <a:bodyPr/>
         <a:lstStyle/>
         <a:p>
+          <a:pPr rtl="0"/>
           <a:r>
             <a:rPr lang="en-US" dirty="0">
               <a:latin typeface="Times New Roman"/>
@@ -1451,6 +1452,34 @@
               <a:latin typeface="Times New Roman"/>
               <a:cs typeface="Times New Roman"/>
             </a:rPr>
+            <a:t>nút</a:t>
+          </a:r>
+          <a:r>
+            <a:rPr lang="en-US" dirty="0">
+              <a:latin typeface="Times New Roman"/>
+              <a:cs typeface="Times New Roman"/>
+            </a:rPr>
+            <a:t> </a:t>
+          </a:r>
+          <a:r>
+            <a:rPr lang="en-US" dirty="0" err="1">
+              <a:latin typeface="Times New Roman"/>
+              <a:cs typeface="Times New Roman"/>
+            </a:rPr>
+            <a:t>bấm</a:t>
+          </a:r>
+          <a:r>
+            <a:rPr lang="en-US" dirty="0">
+              <a:latin typeface="Times New Roman"/>
+              <a:cs typeface="Times New Roman"/>
+            </a:rPr>
+            <a:t> </a:t>
+          </a:r>
+          <a:r>
+            <a:rPr lang="en-US" dirty="0" err="1">
+              <a:latin typeface="Times New Roman"/>
+              <a:cs typeface="Times New Roman"/>
+            </a:rPr>
             <a:t>sẽ</a:t>
           </a:r>
           <a:r>
@@ -1459,6 +1488,62 @@
               <a:cs typeface="Times New Roman"/>
             </a:rPr>
             <a:t> </a:t>
+          </a:r>
+          <a:r>
+            <a:rPr lang="en-US" dirty="0" err="1">
+              <a:latin typeface="Times New Roman"/>
+              <a:cs typeface="Times New Roman"/>
+            </a:rPr>
+            <a:t>thực</a:t>
+          </a:r>
+          <a:r>
+            <a:rPr lang="en-US" dirty="0">
+              <a:latin typeface="Times New Roman"/>
+              <a:cs typeface="Times New Roman"/>
+            </a:rPr>
+            <a:t> </a:t>
+          </a:r>
+          <a:r>
+            <a:rPr lang="en-US" dirty="0" err="1">
+              <a:latin typeface="Times New Roman"/>
+              <a:cs typeface="Times New Roman"/>
+            </a:rPr>
+            <a:t>hiện</a:t>
+          </a:r>
+          <a:r>
+            <a:rPr lang="en-US" dirty="0">
+              <a:latin typeface="Times New Roman"/>
+              <a:cs typeface="Times New Roman"/>
+            </a:rPr>
+            <a:t> </a:t>
+          </a:r>
+          <a:r>
+            <a:rPr lang="en-US" dirty="0" err="1">
+              <a:latin typeface="Times New Roman"/>
+              <a:cs typeface="Times New Roman"/>
+            </a:rPr>
+            <a:t>hành</a:t>
+          </a:r>
+          <a:r>
+            <a:rPr lang="en-US" dirty="0">
+              <a:latin typeface="Times New Roman"/>
+              <a:cs typeface="Times New Roman"/>
+            </a:rPr>
+            <a:t> </a:t>
+          </a:r>
+          <a:r>
+            <a:rPr lang="en-US" dirty="0" err="1">
+              <a:latin typeface="Times New Roman"/>
+              <a:cs typeface="Times New Roman"/>
+            </a:rPr>
+            <a:t>động</a:t>
+          </a:r>
+          <a:r>
+            <a:rPr lang="en-US" dirty="0">
+              <a:latin typeface="Times New Roman"/>
+              <a:cs typeface="Times New Roman"/>
+            </a:rPr>
+            <a:t> (Output) </a:t>
           </a:r>
           <a:r>
             <a:rPr lang="en-US" dirty="0" err="1">
@@ -1528,7 +1613,21 @@
               <a:latin typeface="Times New Roman"/>
               <a:cs typeface="Times New Roman"/>
             </a:rPr>
-            <a:t> </a:t>
+            <a:t> ô text (</a:t>
+          </a:r>
+          <a:r>
+            <a:rPr lang="en-US" dirty="0" err="1">
+              <a:latin typeface="Times New Roman"/>
+              <a:cs typeface="Times New Roman"/>
+            </a:rPr>
+            <a:t>Ouput</a:t>
+          </a:r>
+          <a:r>
+            <a:rPr lang="en-US" dirty="0">
+              <a:latin typeface="Times New Roman"/>
+              <a:cs typeface="Times New Roman"/>
+            </a:rPr>
+            <a:t>) </a:t>
           </a:r>
           <a:r>
             <a:rPr lang="en-US" dirty="0" err="1">
@@ -1780,12 +1879,12 @@
         </a:fontRef>
       </dsp:style>
       <dsp:txBody>
-        <a:bodyPr spcFirstLastPara="0" vert="horz" wrap="square" lIns="13970" tIns="13970" rIns="13970" bIns="13970" numCol="1" spcCol="1270" anchor="ctr" anchorCtr="0">
+        <a:bodyPr spcFirstLastPara="0" vert="horz" wrap="square" lIns="11430" tIns="11430" rIns="11430" bIns="11430" numCol="1" spcCol="1270" anchor="ctr" anchorCtr="0">
           <a:noAutofit/>
         </a:bodyPr>
         <a:lstStyle/>
         <a:p>
-          <a:pPr marL="0" lvl="0" indent="0" algn="ctr" defTabSz="977900">
+          <a:pPr marL="0" lvl="0" indent="0" algn="ctr" defTabSz="800100">
             <a:lnSpc>
               <a:spcPct val="90000"/>
             </a:lnSpc>
@@ -1798,216 +1897,216 @@
             <a:buNone/>
           </a:pPr>
           <a:r>
-            <a:rPr lang="en-US" sz="2200" kern="1200" dirty="0">
+            <a:rPr lang="en-US" sz="1800" kern="1200" dirty="0">
               <a:latin typeface="Times New Roman"/>
               <a:cs typeface="Times New Roman"/>
             </a:rPr>
             <a:t>App con </a:t>
           </a:r>
           <a:r>
-            <a:rPr lang="en-US" sz="2200" kern="1200" dirty="0" err="1">
+            <a:rPr lang="en-US" sz="1800" kern="1200" dirty="0" err="1">
               <a:latin typeface="Times New Roman"/>
               <a:cs typeface="Times New Roman"/>
             </a:rPr>
             <a:t>gồm</a:t>
           </a:r>
           <a:r>
-            <a:rPr lang="en-US" sz="2200" kern="1200" dirty="0">
+            <a:rPr lang="en-US" sz="1800" kern="1200" dirty="0">
               <a:latin typeface="Times New Roman"/>
               <a:cs typeface="Times New Roman"/>
             </a:rPr>
             <a:t> </a:t>
           </a:r>
           <a:r>
-            <a:rPr lang="en-US" sz="2200" kern="1200" dirty="0" err="1">
+            <a:rPr lang="en-US" sz="1800" kern="1200" dirty="0" err="1">
               <a:latin typeface="Times New Roman"/>
               <a:cs typeface="Times New Roman"/>
             </a:rPr>
             <a:t>có</a:t>
           </a:r>
           <a:r>
-            <a:rPr lang="en-US" sz="2200" kern="1200" dirty="0">
+            <a:rPr lang="en-US" sz="1800" kern="1200" dirty="0">
               <a:latin typeface="Times New Roman"/>
               <a:cs typeface="Times New Roman"/>
             </a:rPr>
             <a:t> </a:t>
           </a:r>
           <a:r>
-            <a:rPr lang="en-US" sz="2200" kern="1200" dirty="0" err="1">
+            <a:rPr lang="en-US" sz="1800" kern="1200" dirty="0" err="1">
               <a:latin typeface="Times New Roman"/>
               <a:cs typeface="Times New Roman"/>
             </a:rPr>
             <a:t>một</a:t>
           </a:r>
           <a:r>
-            <a:rPr lang="en-US" sz="2200" kern="1200" dirty="0">
+            <a:rPr lang="en-US" sz="1800" kern="1200" dirty="0">
               <a:latin typeface="Times New Roman"/>
               <a:cs typeface="Times New Roman"/>
             </a:rPr>
             <a:t> </a:t>
           </a:r>
           <a:r>
-            <a:rPr lang="en-US" sz="2200" kern="1200" dirty="0" err="1">
+            <a:rPr lang="en-US" sz="1800" kern="1200" dirty="0" err="1">
               <a:latin typeface="Times New Roman"/>
               <a:cs typeface="Times New Roman"/>
             </a:rPr>
             <a:t>nút</a:t>
           </a:r>
           <a:r>
-            <a:rPr lang="en-US" sz="2200" kern="1200" dirty="0">
+            <a:rPr lang="en-US" sz="1800" kern="1200" dirty="0">
               <a:latin typeface="Times New Roman"/>
               <a:cs typeface="Times New Roman"/>
             </a:rPr>
             <a:t> </a:t>
           </a:r>
           <a:r>
-            <a:rPr lang="en-US" sz="2200" kern="1200" dirty="0" err="1">
+            <a:rPr lang="en-US" sz="1800" kern="1200" dirty="0" err="1">
               <a:latin typeface="Times New Roman"/>
               <a:cs typeface="Times New Roman"/>
             </a:rPr>
             <a:t>bấm</a:t>
           </a:r>
           <a:r>
-            <a:rPr lang="en-US" sz="2200" kern="1200" dirty="0">
+            <a:rPr lang="en-US" sz="1800" kern="1200" dirty="0">
               <a:latin typeface="Times New Roman"/>
               <a:cs typeface="Times New Roman"/>
             </a:rPr>
             <a:t> </a:t>
           </a:r>
           <a:r>
-            <a:rPr lang="en-US" sz="2200" kern="1200" dirty="0" err="1">
+            <a:rPr lang="en-US" sz="1800" kern="1200" dirty="0" err="1">
               <a:latin typeface="Times New Roman"/>
               <a:cs typeface="Times New Roman"/>
             </a:rPr>
             <a:t>và</a:t>
           </a:r>
           <a:r>
-            <a:rPr lang="en-US" sz="2200" kern="1200" dirty="0">
+            <a:rPr lang="en-US" sz="1800" kern="1200" dirty="0">
               <a:latin typeface="Times New Roman"/>
               <a:cs typeface="Times New Roman"/>
             </a:rPr>
             <a:t> </a:t>
           </a:r>
           <a:r>
-            <a:rPr lang="en-US" sz="2200" kern="1200" dirty="0" err="1">
+            <a:rPr lang="en-US" sz="1800" kern="1200" dirty="0" err="1">
               <a:latin typeface="Times New Roman"/>
               <a:cs typeface="Times New Roman"/>
             </a:rPr>
             <a:t>các</a:t>
           </a:r>
           <a:r>
-            <a:rPr lang="en-US" sz="2200" kern="1200" dirty="0">
+            <a:rPr lang="en-US" sz="1800" kern="1200" dirty="0">
               <a:latin typeface="Times New Roman"/>
               <a:cs typeface="Times New Roman"/>
             </a:rPr>
             <a:t> ô text </a:t>
           </a:r>
           <a:r>
-            <a:rPr lang="en-US" sz="2200" kern="1200" dirty="0" err="1">
+            <a:rPr lang="en-US" sz="1800" kern="1200" dirty="0" err="1">
               <a:latin typeface="Times New Roman"/>
               <a:cs typeface="Times New Roman"/>
             </a:rPr>
             <a:t>cho</a:t>
           </a:r>
           <a:r>
-            <a:rPr lang="en-US" sz="2200" kern="1200" dirty="0">
+            <a:rPr lang="en-US" sz="1800" kern="1200" dirty="0">
               <a:latin typeface="Times New Roman"/>
               <a:cs typeface="Times New Roman"/>
             </a:rPr>
             <a:t> </a:t>
           </a:r>
           <a:r>
-            <a:rPr lang="en-US" sz="2200" kern="1200" dirty="0" err="1">
+            <a:rPr lang="en-US" sz="1800" kern="1200" dirty="0" err="1">
               <a:latin typeface="Times New Roman"/>
               <a:cs typeface="Times New Roman"/>
             </a:rPr>
             <a:t>phép</a:t>
           </a:r>
           <a:r>
-            <a:rPr lang="en-US" sz="2200" kern="1200" dirty="0">
+            <a:rPr lang="en-US" sz="1800" kern="1200" dirty="0">
               <a:latin typeface="Times New Roman"/>
               <a:cs typeface="Times New Roman"/>
             </a:rPr>
             <a:t> </a:t>
           </a:r>
           <a:r>
-            <a:rPr lang="en-US" sz="2200" kern="1200" dirty="0" err="1">
+            <a:rPr lang="en-US" sz="1800" kern="1200" dirty="0" err="1">
               <a:latin typeface="Times New Roman"/>
               <a:cs typeface="Times New Roman"/>
             </a:rPr>
             <a:t>người</a:t>
           </a:r>
           <a:r>
-            <a:rPr lang="en-US" sz="2200" kern="1200" dirty="0">
+            <a:rPr lang="en-US" sz="1800" kern="1200" dirty="0">
               <a:latin typeface="Times New Roman"/>
               <a:cs typeface="Times New Roman"/>
             </a:rPr>
             <a:t> </a:t>
           </a:r>
           <a:r>
-            <a:rPr lang="en-US" sz="2200" kern="1200" dirty="0" err="1">
+            <a:rPr lang="en-US" sz="1800" kern="1200" dirty="0" err="1">
               <a:latin typeface="Times New Roman"/>
               <a:cs typeface="Times New Roman"/>
             </a:rPr>
             <a:t>dùng</a:t>
           </a:r>
           <a:r>
-            <a:rPr lang="en-US" sz="2200" kern="1200" dirty="0">
+            <a:rPr lang="en-US" sz="1800" kern="1200" dirty="0">
               <a:latin typeface="Times New Roman"/>
               <a:cs typeface="Times New Roman"/>
             </a:rPr>
             <a:t> </a:t>
           </a:r>
           <a:r>
-            <a:rPr lang="en-US" sz="2200" kern="1200" dirty="0" err="1">
+            <a:rPr lang="en-US" sz="1800" kern="1200" dirty="0" err="1">
               <a:latin typeface="Times New Roman"/>
               <a:cs typeface="Times New Roman"/>
             </a:rPr>
             <a:t>nhập</a:t>
           </a:r>
           <a:r>
-            <a:rPr lang="en-US" sz="2200" kern="1200" dirty="0">
+            <a:rPr lang="en-US" sz="1800" kern="1200" dirty="0">
               <a:latin typeface="Times New Roman"/>
               <a:cs typeface="Times New Roman"/>
             </a:rPr>
             <a:t> </a:t>
           </a:r>
           <a:r>
-            <a:rPr lang="en-US" sz="2200" kern="1200" dirty="0" err="1">
+            <a:rPr lang="en-US" sz="1800" kern="1200" dirty="0" err="1">
               <a:latin typeface="Times New Roman"/>
               <a:cs typeface="Times New Roman"/>
             </a:rPr>
             <a:t>dữ</a:t>
           </a:r>
           <a:r>
-            <a:rPr lang="en-US" sz="2200" kern="1200" dirty="0">
+            <a:rPr lang="en-US" sz="1800" kern="1200" dirty="0">
               <a:latin typeface="Times New Roman"/>
               <a:cs typeface="Times New Roman"/>
             </a:rPr>
             <a:t> </a:t>
           </a:r>
           <a:r>
-            <a:rPr lang="en-US" sz="2200" kern="1200" dirty="0" err="1">
+            <a:rPr lang="en-US" sz="1800" kern="1200" dirty="0" err="1">
               <a:latin typeface="Times New Roman"/>
               <a:cs typeface="Times New Roman"/>
             </a:rPr>
             <a:t>liệu</a:t>
           </a:r>
           <a:r>
-            <a:rPr lang="en-US" sz="2200" kern="1200" dirty="0">
+            <a:rPr lang="en-US" sz="1800" kern="1200" dirty="0">
               <a:latin typeface="Times New Roman"/>
               <a:cs typeface="Times New Roman"/>
             </a:rPr>
             <a:t> </a:t>
           </a:r>
           <a:r>
-            <a:rPr lang="en-US" sz="2200" kern="1200" dirty="0" err="1">
+            <a:rPr lang="en-US" sz="1800" kern="1200" dirty="0" err="1">
               <a:latin typeface="Times New Roman"/>
               <a:cs typeface="Times New Roman"/>
             </a:rPr>
             <a:t>vào</a:t>
           </a:r>
-          <a:endParaRPr lang="en-US" sz="2200" kern="1200" dirty="0">
+          <a:endParaRPr lang="en-US" sz="1800" kern="1200" dirty="0">
             <a:latin typeface="Times New Roman"/>
             <a:cs typeface="Times New Roman"/>
           </a:endParaRPr>
@@ -2059,12 +2158,12 @@
         </a:fontRef>
       </dsp:style>
       <dsp:txBody>
-        <a:bodyPr spcFirstLastPara="0" vert="horz" wrap="square" lIns="13970" tIns="13970" rIns="13970" bIns="13970" numCol="1" spcCol="1270" anchor="ctr" anchorCtr="0">
+        <a:bodyPr spcFirstLastPara="0" vert="horz" wrap="square" lIns="11430" tIns="11430" rIns="11430" bIns="11430" numCol="1" spcCol="1270" anchor="ctr" anchorCtr="0">
           <a:noAutofit/>
         </a:bodyPr>
         <a:lstStyle/>
         <a:p>
-          <a:pPr marL="0" lvl="0" indent="0" algn="ctr" defTabSz="977900">
+          <a:pPr marL="0" lvl="0" indent="0" algn="ctr" defTabSz="800100" rtl="0">
             <a:lnSpc>
               <a:spcPct val="90000"/>
             </a:lnSpc>
@@ -2077,272 +2176,370 @@
             <a:buNone/>
           </a:pPr>
           <a:r>
-            <a:rPr lang="en-US" sz="2200" kern="1200" dirty="0">
+            <a:rPr lang="en-US" sz="1800" kern="1200" dirty="0">
               <a:latin typeface="Times New Roman"/>
               <a:cs typeface="Times New Roman"/>
             </a:rPr>
             <a:t>Sau </a:t>
           </a:r>
           <a:r>
-            <a:rPr lang="en-US" sz="2200" kern="1200" dirty="0" err="1">
+            <a:rPr lang="en-US" sz="1800" kern="1200" dirty="0" err="1">
               <a:latin typeface="Times New Roman"/>
               <a:cs typeface="Times New Roman"/>
             </a:rPr>
             <a:t>khi</a:t>
           </a:r>
           <a:r>
-            <a:rPr lang="en-US" sz="2200" kern="1200" dirty="0">
+            <a:rPr lang="en-US" sz="1800" kern="1200" dirty="0">
               <a:latin typeface="Times New Roman"/>
               <a:cs typeface="Times New Roman"/>
             </a:rPr>
             <a:t> </a:t>
           </a:r>
           <a:r>
-            <a:rPr lang="en-US" sz="2200" kern="1200" dirty="0" err="1">
+            <a:rPr lang="en-US" sz="1800" kern="1200" dirty="0" err="1">
               <a:latin typeface="Times New Roman"/>
               <a:cs typeface="Times New Roman"/>
             </a:rPr>
             <a:t>nhập</a:t>
           </a:r>
           <a:r>
-            <a:rPr lang="en-US" sz="2200" kern="1200" dirty="0">
+            <a:rPr lang="en-US" sz="1800" kern="1200" dirty="0">
               <a:latin typeface="Times New Roman"/>
               <a:cs typeface="Times New Roman"/>
             </a:rPr>
             <a:t> </a:t>
           </a:r>
           <a:r>
-            <a:rPr lang="en-US" sz="2200" kern="1200" dirty="0" err="1">
+            <a:rPr lang="en-US" sz="1800" kern="1200" dirty="0" err="1">
               <a:latin typeface="Times New Roman"/>
               <a:cs typeface="Times New Roman"/>
             </a:rPr>
             <a:t>dữ</a:t>
           </a:r>
           <a:r>
-            <a:rPr lang="en-US" sz="2200" kern="1200" dirty="0">
+            <a:rPr lang="en-US" sz="1800" kern="1200" dirty="0">
               <a:latin typeface="Times New Roman"/>
               <a:cs typeface="Times New Roman"/>
             </a:rPr>
             <a:t> </a:t>
           </a:r>
           <a:r>
-            <a:rPr lang="en-US" sz="2200" kern="1200" dirty="0" err="1">
+            <a:rPr lang="en-US" sz="1800" kern="1200" dirty="0" err="1">
               <a:latin typeface="Times New Roman"/>
               <a:cs typeface="Times New Roman"/>
             </a:rPr>
             <a:t>liệu</a:t>
           </a:r>
           <a:r>
-            <a:rPr lang="en-US" sz="2200" kern="1200" dirty="0">
+            <a:rPr lang="en-US" sz="1800" kern="1200" dirty="0">
               <a:latin typeface="Times New Roman"/>
               <a:cs typeface="Times New Roman"/>
             </a:rPr>
             <a:t> </a:t>
           </a:r>
           <a:r>
-            <a:rPr lang="en-US" sz="2200" kern="1200" dirty="0" err="1">
+            <a:rPr lang="en-US" sz="1800" kern="1200" dirty="0" err="1">
               <a:latin typeface="Times New Roman"/>
               <a:cs typeface="Times New Roman"/>
             </a:rPr>
             <a:t>vào</a:t>
           </a:r>
           <a:r>
-            <a:rPr lang="en-US" sz="2200" kern="1200" dirty="0">
+            <a:rPr lang="en-US" sz="1800" kern="1200" dirty="0">
               <a:latin typeface="Times New Roman"/>
               <a:cs typeface="Times New Roman"/>
             </a:rPr>
             <a:t> (click </a:t>
           </a:r>
           <a:r>
-            <a:rPr lang="en-US" sz="2200" kern="1200" dirty="0" err="1">
+            <a:rPr lang="en-US" sz="1800" kern="1200" dirty="0" err="1">
               <a:latin typeface="Times New Roman"/>
               <a:cs typeface="Times New Roman"/>
             </a:rPr>
             <a:t>vào</a:t>
           </a:r>
           <a:r>
-            <a:rPr lang="en-US" sz="2200" kern="1200" dirty="0">
+            <a:rPr lang="en-US" sz="1800" kern="1200" dirty="0">
               <a:latin typeface="Times New Roman"/>
               <a:cs typeface="Times New Roman"/>
             </a:rPr>
             <a:t> </a:t>
           </a:r>
           <a:r>
-            <a:rPr lang="en-US" sz="2200" kern="1200" dirty="0" err="1">
+            <a:rPr lang="en-US" sz="1800" kern="1200" dirty="0" err="1">
               <a:latin typeface="Times New Roman"/>
               <a:cs typeface="Times New Roman"/>
             </a:rPr>
             <a:t>nút</a:t>
           </a:r>
           <a:r>
-            <a:rPr lang="en-US" sz="2200" kern="1200" dirty="0">
+            <a:rPr lang="en-US" sz="1800" kern="1200" dirty="0">
               <a:latin typeface="Times New Roman"/>
               <a:cs typeface="Times New Roman"/>
             </a:rPr>
             <a:t> </a:t>
           </a:r>
           <a:r>
-            <a:rPr lang="en-US" sz="2200" kern="1200" dirty="0" err="1">
+            <a:rPr lang="en-US" sz="1800" kern="1200" dirty="0" err="1">
               <a:latin typeface="Times New Roman"/>
               <a:cs typeface="Times New Roman"/>
             </a:rPr>
             <a:t>bấm</a:t>
           </a:r>
           <a:r>
-            <a:rPr lang="en-US" sz="2200" kern="1200" dirty="0">
+            <a:rPr lang="en-US" sz="1800" kern="1200" dirty="0">
               <a:latin typeface="Times New Roman"/>
               <a:cs typeface="Times New Roman"/>
             </a:rPr>
             <a:t>),  </a:t>
           </a:r>
           <a:r>
-            <a:rPr lang="en-US" sz="2200" kern="1200" dirty="0" err="1">
+            <a:rPr lang="en-US" sz="1800" kern="1200" dirty="0" err="1">
+              <a:latin typeface="Times New Roman"/>
+              <a:cs typeface="Times New Roman"/>
+            </a:rPr>
+            <a:t>nút</a:t>
+          </a:r>
+          <a:r>
+            <a:rPr lang="en-US" sz="1800" kern="1200" dirty="0">
+              <a:latin typeface="Times New Roman"/>
+              <a:cs typeface="Times New Roman"/>
+            </a:rPr>
+            <a:t> </a:t>
+          </a:r>
+          <a:r>
+            <a:rPr lang="en-US" sz="1800" kern="1200" dirty="0" err="1">
+              <a:latin typeface="Times New Roman"/>
+              <a:cs typeface="Times New Roman"/>
+            </a:rPr>
+            <a:t>bấm</a:t>
+          </a:r>
+          <a:r>
+            <a:rPr lang="en-US" sz="1800" kern="1200" dirty="0">
+              <a:latin typeface="Times New Roman"/>
+              <a:cs typeface="Times New Roman"/>
+            </a:rPr>
+            <a:t> </a:t>
+          </a:r>
+          <a:r>
+            <a:rPr lang="en-US" sz="1800" kern="1200" dirty="0" err="1">
               <a:latin typeface="Times New Roman"/>
               <a:cs typeface="Times New Roman"/>
             </a:rPr>
             <a:t>sẽ</a:t>
           </a:r>
           <a:r>
-            <a:rPr lang="en-US" sz="2200" kern="1200" dirty="0">
+            <a:rPr lang="en-US" sz="1800" kern="1200" dirty="0">
               <a:latin typeface="Times New Roman"/>
               <a:cs typeface="Times New Roman"/>
             </a:rPr>
             <a:t> </a:t>
           </a:r>
           <a:r>
-            <a:rPr lang="en-US" sz="2200" kern="1200" dirty="0" err="1">
+            <a:rPr lang="en-US" sz="1800" kern="1200" dirty="0" err="1">
+              <a:latin typeface="Times New Roman"/>
+              <a:cs typeface="Times New Roman"/>
+            </a:rPr>
+            <a:t>thực</a:t>
+          </a:r>
+          <a:r>
+            <a:rPr lang="en-US" sz="1800" kern="1200" dirty="0">
+              <a:latin typeface="Times New Roman"/>
+              <a:cs typeface="Times New Roman"/>
+            </a:rPr>
+            <a:t> </a:t>
+          </a:r>
+          <a:r>
+            <a:rPr lang="en-US" sz="1800" kern="1200" dirty="0" err="1">
+              <a:latin typeface="Times New Roman"/>
+              <a:cs typeface="Times New Roman"/>
+            </a:rPr>
+            <a:t>hiện</a:t>
+          </a:r>
+          <a:r>
+            <a:rPr lang="en-US" sz="1800" kern="1200" dirty="0">
+              <a:latin typeface="Times New Roman"/>
+              <a:cs typeface="Times New Roman"/>
+            </a:rPr>
+            <a:t> </a:t>
+          </a:r>
+          <a:r>
+            <a:rPr lang="en-US" sz="1800" kern="1200" dirty="0" err="1">
+              <a:latin typeface="Times New Roman"/>
+              <a:cs typeface="Times New Roman"/>
+            </a:rPr>
+            <a:t>hành</a:t>
+          </a:r>
+          <a:r>
+            <a:rPr lang="en-US" sz="1800" kern="1200" dirty="0">
+              <a:latin typeface="Times New Roman"/>
+              <a:cs typeface="Times New Roman"/>
+            </a:rPr>
+            <a:t> </a:t>
+          </a:r>
+          <a:r>
+            <a:rPr lang="en-US" sz="1800" kern="1200" dirty="0" err="1">
+              <a:latin typeface="Times New Roman"/>
+              <a:cs typeface="Times New Roman"/>
+            </a:rPr>
+            <a:t>động</a:t>
+          </a:r>
+          <a:r>
+            <a:rPr lang="en-US" sz="1800" kern="1200" dirty="0">
+              <a:latin typeface="Times New Roman"/>
+              <a:cs typeface="Times New Roman"/>
+            </a:rPr>
+            <a:t> (Output) </a:t>
+          </a:r>
+          <a:r>
+            <a:rPr lang="en-US" sz="1800" kern="1200" dirty="0" err="1">
               <a:latin typeface="Times New Roman"/>
               <a:cs typeface="Times New Roman"/>
             </a:rPr>
             <a:t>hiển</a:t>
           </a:r>
           <a:r>
-            <a:rPr lang="en-US" sz="2200" kern="1200" dirty="0">
+            <a:rPr lang="en-US" sz="1800" kern="1200" dirty="0">
               <a:latin typeface="Times New Roman"/>
               <a:cs typeface="Times New Roman"/>
             </a:rPr>
             <a:t> </a:t>
           </a:r>
           <a:r>
-            <a:rPr lang="en-US" sz="2200" kern="1200" dirty="0" err="1">
+            <a:rPr lang="en-US" sz="1800" kern="1200" dirty="0" err="1">
               <a:latin typeface="Times New Roman"/>
               <a:cs typeface="Times New Roman"/>
             </a:rPr>
             <a:t>thị</a:t>
           </a:r>
           <a:r>
-            <a:rPr lang="en-US" sz="2200" kern="1200" dirty="0">
+            <a:rPr lang="en-US" sz="1800" kern="1200" dirty="0">
               <a:latin typeface="Times New Roman"/>
               <a:cs typeface="Times New Roman"/>
             </a:rPr>
             <a:t> </a:t>
           </a:r>
           <a:r>
-            <a:rPr lang="en-US" sz="2200" kern="1200" dirty="0" err="1">
+            <a:rPr lang="en-US" sz="1800" kern="1200" dirty="0" err="1">
               <a:latin typeface="Times New Roman"/>
               <a:cs typeface="Times New Roman"/>
             </a:rPr>
             <a:t>dữ</a:t>
           </a:r>
           <a:r>
-            <a:rPr lang="en-US" sz="2200" kern="1200" dirty="0">
+            <a:rPr lang="en-US" sz="1800" kern="1200" dirty="0">
               <a:latin typeface="Times New Roman"/>
               <a:cs typeface="Times New Roman"/>
             </a:rPr>
             <a:t> </a:t>
           </a:r>
           <a:r>
-            <a:rPr lang="en-US" sz="2200" kern="1200" dirty="0" err="1">
+            <a:rPr lang="en-US" sz="1800" kern="1200" dirty="0" err="1">
               <a:latin typeface="Times New Roman"/>
               <a:cs typeface="Times New Roman"/>
             </a:rPr>
             <a:t>liệu</a:t>
           </a:r>
           <a:r>
-            <a:rPr lang="en-US" sz="2200" kern="1200" dirty="0">
+            <a:rPr lang="en-US" sz="1800" kern="1200" dirty="0">
               <a:latin typeface="Times New Roman"/>
               <a:cs typeface="Times New Roman"/>
             </a:rPr>
             <a:t> </a:t>
           </a:r>
           <a:r>
-            <a:rPr lang="en-US" sz="2200" kern="1200" dirty="0" err="1">
+            <a:rPr lang="en-US" sz="1800" kern="1200" dirty="0" err="1">
               <a:latin typeface="Times New Roman"/>
               <a:cs typeface="Times New Roman"/>
             </a:rPr>
             <a:t>ra</a:t>
           </a:r>
           <a:r>
-            <a:rPr lang="en-US" sz="2200" kern="1200" dirty="0">
+            <a:rPr lang="en-US" sz="1800" kern="1200" dirty="0">
+              <a:latin typeface="Times New Roman"/>
+              <a:cs typeface="Times New Roman"/>
+            </a:rPr>
+            <a:t> ô text (</a:t>
+          </a:r>
+          <a:r>
+            <a:rPr lang="en-US" sz="1800" kern="1200" dirty="0" err="1">
+              <a:latin typeface="Times New Roman"/>
+              <a:cs typeface="Times New Roman"/>
+            </a:rPr>
+            <a:t>Ouput</a:t>
+          </a:r>
+          <a:r>
+            <a:rPr lang="en-US" sz="1800" kern="1200" dirty="0">
+              <a:latin typeface="Times New Roman"/>
+              <a:cs typeface="Times New Roman"/>
+            </a:rPr>
+            <a:t>) </a:t>
+          </a:r>
+          <a:r>
+            <a:rPr lang="en-US" sz="1800" kern="1200" dirty="0" err="1">
+              <a:latin typeface="Times New Roman"/>
+              <a:cs typeface="Times New Roman"/>
+            </a:rPr>
+            <a:t>cho</a:t>
+          </a:r>
+          <a:r>
+            <a:rPr lang="en-US" sz="1800" kern="1200" dirty="0">
               <a:latin typeface="Times New Roman"/>
               <a:cs typeface="Times New Roman"/>
             </a:rPr>
             <a:t> </a:t>
           </a:r>
           <a:r>
-            <a:rPr lang="en-US" sz="2200" kern="1200" dirty="0" err="1">
+            <a:rPr lang="en-US" sz="1800" kern="1200" dirty="0" err="1">
               <a:latin typeface="Times New Roman"/>
               <a:cs typeface="Times New Roman"/>
             </a:rPr>
-            <a:t>cho</a:t>
+            <a:t>người</a:t>
           </a:r>
           <a:r>
-            <a:rPr lang="en-US" sz="2200" kern="1200" dirty="0">
+            <a:rPr lang="en-US" sz="1800" kern="1200" dirty="0">
               <a:latin typeface="Times New Roman"/>
               <a:cs typeface="Times New Roman"/>
             </a:rPr>
             <a:t> </a:t>
           </a:r>
           <a:r>
-            <a:rPr lang="en-US" sz="2200" kern="1200" dirty="0" err="1">
+            <a:rPr lang="en-US" sz="1800" kern="1200" dirty="0" err="1">
               <a:latin typeface="Times New Roman"/>
               <a:cs typeface="Times New Roman"/>
             </a:rPr>
-            <a:t>người</a:t>
+            <a:t>dùng</a:t>
           </a:r>
           <a:r>
-            <a:rPr lang="en-US" sz="2200" kern="1200" dirty="0">
+            <a:rPr lang="en-US" sz="1800" kern="1200" dirty="0">
               <a:latin typeface="Times New Roman"/>
               <a:cs typeface="Times New Roman"/>
             </a:rPr>
             <a:t> </a:t>
           </a:r>
           <a:r>
-            <a:rPr lang="en-US" sz="2200" kern="1200" dirty="0" err="1">
+            <a:rPr lang="en-US" sz="1800" kern="1200" dirty="0" err="1">
               <a:latin typeface="Times New Roman"/>
               <a:cs typeface="Times New Roman"/>
             </a:rPr>
-            <a:t>dùng</a:t>
+            <a:t>nhìn</a:t>
           </a:r>
           <a:r>
-            <a:rPr lang="en-US" sz="2200" kern="1200" dirty="0">
+            <a:rPr lang="en-US" sz="1800" kern="1200" dirty="0">
               <a:latin typeface="Times New Roman"/>
               <a:cs typeface="Times New Roman"/>
             </a:rPr>
             <a:t> </a:t>
           </a:r>
           <a:r>
-            <a:rPr lang="en-US" sz="2200" kern="1200" dirty="0" err="1">
-              <a:latin typeface="Times New Roman"/>
-              <a:cs typeface="Times New Roman"/>
-            </a:rPr>
-            <a:t>nhìn</a:t>
-          </a:r>
-          <a:r>
-            <a:rPr lang="en-US" sz="2200" kern="1200" dirty="0">
-              <a:latin typeface="Times New Roman"/>
-              <a:cs typeface="Times New Roman"/>
-            </a:rPr>
-            <a:t> </a:t>
-          </a:r>
-          <a:r>
-            <a:rPr lang="en-US" sz="2200" kern="1200" dirty="0" err="1">
+            <a:rPr lang="en-US" sz="1800" kern="1200" dirty="0" err="1">
               <a:latin typeface="Times New Roman"/>
               <a:cs typeface="Times New Roman"/>
             </a:rPr>
             <a:t>thấy</a:t>
           </a:r>
-          <a:endParaRPr lang="en-US" sz="2200" kern="1200" dirty="0">
+          <a:endParaRPr lang="en-US" sz="1800" kern="1200" dirty="0">
             <a:latin typeface="Times New Roman"/>
             <a:cs typeface="Times New Roman"/>
           </a:endParaRPr>
@@ -9671,13 +9868,13 @@
   <p:clrMapOvr>
     <a:overrideClrMapping bg1="dk1" tx1="lt1" bg2="dk2" tx2="lt2" accent1="accent1" accent2="accent2" accent3="accent3" accent4="accent4" accent5="accent5" accent6="accent6" hlink="hlink" folHlink="folHlink"/>
   </p:clrMapOvr>
-  <mc:AlternateContent xmlns:mc="http://schemas.openxmlformats.org/markup-compatibility/2006">
-    <mc:Choice xmlns:p15="http://schemas.microsoft.com/office/powerpoint/2012/main" Requires="p15">
+  <mc:AlternateContent xmlns:mc="http://schemas.openxmlformats.org/markup-compatibility/2006" xmlns:p15="http://schemas.microsoft.com/office/powerpoint/2012/main">
+    <mc:Choice Requires="p15">
       <p:transition xmlns:p14="http://schemas.microsoft.com/office/powerpoint/2010/main" spd="slow" p14:dur="6000">
         <p15:prstTrans prst="curtains"/>
       </p:transition>
     </mc:Choice>
-    <mc:Fallback>
+    <mc:Fallback xmlns="">
       <p:transition spd="slow">
         <p:fade/>
       </p:transition>
@@ -10932,15 +11129,12 @@
                 <a:ea typeface="+mn-lt"/>
                 <a:cs typeface="+mn-lt"/>
               </a:rPr>
-              <a:t> App, console </a:t>
-            </a:r>
-            <a:r>
-              <a:rPr lang="en-US" sz="2400" dirty="0">
-                <a:latin typeface="Times New Roman"/>
-                <a:cs typeface="Times New Roman"/>
-              </a:rPr>
-              <a:t>  </a:t>
-            </a:r>
+              <a:t> App, console .</a:t>
+            </a:r>
+            <a:endParaRPr lang="en-US" sz="2400" dirty="0">
+              <a:latin typeface="Times New Roman"/>
+              <a:cs typeface="Times New Roman"/>
+            </a:endParaRPr>
           </a:p>
           <a:p>
             <a:endParaRPr lang="en-US" sz="2400" dirty="0">
@@ -12326,6 +12520,20 @@
                 <a:latin typeface="Times New Roman"/>
                 <a:cs typeface="Times New Roman"/>
               </a:rPr>
+              <a:t>sánh</a:t>
+            </a:r>
+            <a:r>
+              <a:rPr lang="en-US" sz="2400" dirty="0">
+                <a:latin typeface="Times New Roman"/>
+                <a:cs typeface="Times New Roman"/>
+              </a:rPr>
+              <a:t> </a:t>
+            </a:r>
+            <a:r>
+              <a:rPr lang="en-US" sz="2400" dirty="0" err="1">
+                <a:latin typeface="Times New Roman"/>
+                <a:cs typeface="Times New Roman"/>
+              </a:rPr>
               <a:t>chuỗi</a:t>
             </a:r>
             <a:r>
@@ -12389,13 +12597,27 @@
                 <a:latin typeface="Times New Roman"/>
                 <a:cs typeface="Times New Roman"/>
               </a:rPr>
-              <a:t>  </a:t>
+              <a:t>, </a:t>
             </a:r>
             <a:r>
               <a:rPr lang="en-US" sz="2400" dirty="0" err="1">
                 <a:latin typeface="Times New Roman"/>
                 <a:cs typeface="Times New Roman"/>
               </a:rPr>
+              <a:t>nếu</a:t>
+            </a:r>
+            <a:r>
+              <a:rPr lang="en-US" sz="2400" dirty="0">
+                <a:latin typeface="Times New Roman"/>
+                <a:cs typeface="Times New Roman"/>
+              </a:rPr>
+              <a:t> </a:t>
+            </a:r>
+            <a:r>
+              <a:rPr lang="en-US" sz="2400" dirty="0" err="1">
+                <a:latin typeface="Times New Roman"/>
+                <a:cs typeface="Times New Roman"/>
+              </a:rPr>
               <a:t>lớn</a:t>
             </a:r>
             <a:r>
@@ -12445,13 +12667,41 @@
                 <a:latin typeface="Times New Roman"/>
                 <a:cs typeface="Times New Roman"/>
               </a:rPr>
-              <a:t>  &gt;=   ' a ' </a:t>
+              <a:t>  &gt;=  </a:t>
             </a:r>
             <a:r>
               <a:rPr lang="en-US" sz="2400" dirty="0" err="1">
                 <a:latin typeface="Times New Roman"/>
                 <a:cs typeface="Times New Roman"/>
               </a:rPr>
+              <a:t>ký</a:t>
+            </a:r>
+            <a:r>
+              <a:rPr lang="en-US" sz="2400" dirty="0">
+                <a:latin typeface="Times New Roman"/>
+                <a:cs typeface="Times New Roman"/>
+              </a:rPr>
+              <a:t> </a:t>
+            </a:r>
+            <a:r>
+              <a:rPr lang="en-US" sz="2400" dirty="0" err="1">
+                <a:latin typeface="Times New Roman"/>
+                <a:cs typeface="Times New Roman"/>
+              </a:rPr>
+              <a:t>tự</a:t>
+            </a:r>
+            <a:r>
+              <a:rPr lang="en-US" sz="2400" dirty="0">
+                <a:latin typeface="Times New Roman"/>
+                <a:cs typeface="Times New Roman"/>
+              </a:rPr>
+              <a:t>  ' a ' </a:t>
+            </a:r>
+            <a:r>
+              <a:rPr lang="en-US" sz="2400" dirty="0" err="1">
+                <a:latin typeface="Times New Roman"/>
+                <a:cs typeface="Times New Roman"/>
+              </a:rPr>
               <a:t>và</a:t>
             </a:r>
             <a:r>
@@ -12487,7 +12737,35 @@
                 <a:latin typeface="Times New Roman"/>
                 <a:cs typeface="Times New Roman"/>
               </a:rPr>
-              <a:t> &lt; ' z ' .</a:t>
+              <a:t> &lt;  </a:t>
+            </a:r>
+            <a:r>
+              <a:rPr lang="en-US" sz="2400" dirty="0" err="1">
+                <a:latin typeface="Times New Roman"/>
+                <a:cs typeface="Times New Roman"/>
+              </a:rPr>
+              <a:t>ký</a:t>
+            </a:r>
+            <a:r>
+              <a:rPr lang="en-US" sz="2400" dirty="0">
+                <a:latin typeface="Times New Roman"/>
+                <a:cs typeface="Times New Roman"/>
+              </a:rPr>
+              <a:t> </a:t>
+            </a:r>
+            <a:r>
+              <a:rPr lang="en-US" sz="2400" dirty="0" err="1">
+                <a:latin typeface="Times New Roman"/>
+                <a:cs typeface="Times New Roman"/>
+              </a:rPr>
+              <a:t>tự</a:t>
+            </a:r>
+            <a:r>
+              <a:rPr lang="en-US" sz="2400" dirty="0">
+                <a:latin typeface="Times New Roman"/>
+                <a:cs typeface="Times New Roman"/>
+              </a:rPr>
+              <a:t> ' z ' .</a:t>
             </a:r>
           </a:p>
           <a:p>
@@ -12619,7 +12897,7 @@
                 <a:latin typeface="Times New Roman"/>
                 <a:cs typeface="Times New Roman"/>
               </a:rPr>
-              <a:t> App, console</a:t>
+              <a:t> App, console .</a:t>
             </a:r>
           </a:p>
         </p:txBody>
@@ -14061,7 +14339,7 @@
                 <a:latin typeface="Times New Roman"/>
                 <a:cs typeface="Times New Roman"/>
               </a:rPr>
-              <a:t> </a:t>
+              <a:t>() </a:t>
             </a:r>
             <a:r>
               <a:rPr lang="en-US" sz="2400" dirty="0" err="1">
@@ -14327,7 +14605,7 @@
                 <a:latin typeface="Times New Roman"/>
                 <a:cs typeface="Times New Roman"/>
               </a:rPr>
-              <a:t> </a:t>
+              <a:t> .</a:t>
             </a:r>
           </a:p>
         </p:txBody>
@@ -18615,7 +18893,7 @@
                 <a:latin typeface="Times New Roman"/>
                 <a:cs typeface="Times New Roman"/>
               </a:rPr>
-              <a:t>hs</a:t>
+              <a:t>học</a:t>
             </a:r>
             <a:r>
               <a:rPr lang="en-US" dirty="0">
@@ -18629,6 +18907,20 @@
                 <a:latin typeface="Times New Roman"/>
                 <a:cs typeface="Times New Roman"/>
               </a:rPr>
+              <a:t>sinh</a:t>
+            </a:r>
+            <a:r>
+              <a:rPr lang="en-US" dirty="0">
+                <a:latin typeface="Times New Roman"/>
+                <a:cs typeface="Times New Roman"/>
+              </a:rPr>
+              <a:t> </a:t>
+            </a:r>
+            <a:r>
+              <a:rPr lang="en-US" dirty="0" err="1">
+                <a:latin typeface="Times New Roman"/>
+                <a:cs typeface="Times New Roman"/>
+              </a:rPr>
               <a:t>tối</a:t>
             </a:r>
             <a:r>
@@ -19168,9 +19460,9 @@
                 <a:latin typeface="Times New Roman"/>
                 <a:cs typeface="Times New Roman"/>
               </a:rPr>
-              <a:t> console,  App</a:t>
-            </a:r>
-            <a:endParaRPr lang="en-US"/>
+              <a:t> console,  App .</a:t>
+            </a:r>
+            <a:endParaRPr lang="en-US" dirty="0"/>
           </a:p>
         </p:txBody>
       </p:sp>
@@ -20824,7 +21116,7 @@
                 <a:latin typeface="Times New Roman"/>
                 <a:cs typeface="Times New Roman"/>
               </a:rPr>
-              <a:t> App, console</a:t>
+              <a:t> App, console .</a:t>
             </a:r>
           </a:p>
           <a:p>
@@ -22195,8 +22487,8 @@
         </p:nvSpPr>
         <p:spPr>
           <a:xfrm>
-            <a:off x="479866" y="1562581"/>
-            <a:ext cx="2531961" cy="4431983"/>
+            <a:off x="479866" y="1572226"/>
+            <a:ext cx="2666998" cy="4062651"/>
           </a:xfrm>
           <a:prstGeom prst="rect">
             <a:avLst/>
@@ -22530,7 +22822,7 @@
                 <a:latin typeface="Times New Roman"/>
                 <a:cs typeface="Times New Roman"/>
               </a:rPr>
-              <a:t> App , console </a:t>
+              <a:t> App , console .</a:t>
             </a:r>
           </a:p>
           <a:p>
